--- a/Safety Demonstration 9.23.19.pptx
+++ b/Safety Demonstration 9.23.19.pptx
@@ -5,7 +5,7 @@
     <p:sldMasterId id="2147483977" r:id="rId1"/>
   </p:sldMasterIdLst>
   <p:notesMasterIdLst>
-    <p:notesMasterId r:id="rId13"/>
+    <p:notesMasterId r:id="rId12"/>
   </p:notesMasterIdLst>
   <p:sldIdLst>
     <p:sldId id="256" r:id="rId2"/>
@@ -18,7 +18,6 @@
     <p:sldId id="272" r:id="rId9"/>
     <p:sldId id="276" r:id="rId10"/>
     <p:sldId id="277" r:id="rId11"/>
-    <p:sldId id="279" r:id="rId12"/>
   </p:sldIdLst>
   <p:sldSz cx="12192000" cy="6858000"/>
   <p:notesSz cx="6858000" cy="9144000"/>
@@ -4622,74 +4621,6 @@
 </p:sld>
 </file>
 
-<file path=ppt/slides/slide11.xml><?xml version="1.0" encoding="utf-8"?>
-<p:sld xmlns:a="http://schemas.openxmlformats.org/drawingml/2006/main" xmlns:r="http://schemas.openxmlformats.org/officeDocument/2006/relationships" xmlns:p="http://schemas.openxmlformats.org/presentationml/2006/main">
-  <p:cSld>
-    <p:spTree>
-      <p:nvGrpSpPr>
-        <p:cNvPr id="1" name=""/>
-        <p:cNvGrpSpPr/>
-        <p:nvPr/>
-      </p:nvGrpSpPr>
-      <p:grpSpPr>
-        <a:xfrm>
-          <a:off x="0" y="0"/>
-          <a:ext cx="0" cy="0"/>
-          <a:chOff x="0" y="0"/>
-          <a:chExt cx="0" cy="0"/>
-        </a:xfrm>
-      </p:grpSpPr>
-      <p:sp>
-        <p:nvSpPr>
-          <p:cNvPr id="2" name="Title 1"/>
-          <p:cNvSpPr>
-            <a:spLocks noGrp="1"/>
-          </p:cNvSpPr>
-          <p:nvPr>
-            <p:ph type="title"/>
-          </p:nvPr>
-        </p:nvSpPr>
-        <p:spPr/>
-        <p:txBody>
-          <a:bodyPr/>
-          <a:lstStyle/>
-          <a:p>
-            <a:endParaRPr lang="en-US"/>
-          </a:p>
-        </p:txBody>
-      </p:sp>
-      <p:sp>
-        <p:nvSpPr>
-          <p:cNvPr id="3" name="Content Placeholder 2"/>
-          <p:cNvSpPr>
-            <a:spLocks noGrp="1"/>
-          </p:cNvSpPr>
-          <p:nvPr>
-            <p:ph idx="1"/>
-          </p:nvPr>
-        </p:nvSpPr>
-        <p:spPr/>
-        <p:txBody>
-          <a:bodyPr/>
-          <a:lstStyle/>
-          <a:p>
-            <a:endParaRPr lang="en-US"/>
-          </a:p>
-        </p:txBody>
-      </p:sp>
-    </p:spTree>
-    <p:extLst>
-      <p:ext uri="{BB962C8B-B14F-4D97-AF65-F5344CB8AC3E}">
-        <p14:creationId xmlns:p14="http://schemas.microsoft.com/office/powerpoint/2010/main" val="4148407356"/>
-      </p:ext>
-    </p:extLst>
-  </p:cSld>
-  <p:clrMapOvr>
-    <a:masterClrMapping/>
-  </p:clrMapOvr>
-</p:sld>
-</file>
-
 <file path=ppt/slides/slide2.xml><?xml version="1.0" encoding="utf-8"?>
 <p:sld xmlns:a="http://schemas.openxmlformats.org/drawingml/2006/main" xmlns:r="http://schemas.openxmlformats.org/officeDocument/2006/relationships" xmlns:p="http://schemas.openxmlformats.org/presentationml/2006/main">
   <p:cSld>
@@ -7421,9 +7352,10 @@
           <a:p>
             <a:pPr lvl="1"/>
             <a:r>
-              <a:rPr lang="en-US" sz="1500" dirty="0"/>
-              <a:t>GUI</a:t>
-            </a:r>
+              <a:rPr lang="en-US" sz="1500" smtClean="0"/>
+              <a:t>GUI/Website</a:t>
+            </a:r>
+            <a:endParaRPr lang="en-US" sz="1500" dirty="0"/>
           </a:p>
           <a:p>
             <a:pPr lvl="2"/>

--- a/Safety Demonstration 9.23.19.pptx
+++ b/Safety Demonstration 9.23.19.pptx
@@ -118,7 +118,7 @@
   </p:defaultTextStyle>
   <p:extLst>
     <p:ext uri="{EFAFB233-063F-42B5-8137-9DF3F51BA10A}">
-      <p15:sldGuideLst xmlns:p15="http://schemas.microsoft.com/office/powerpoint/2012/main" xmlns="">
+      <p15:sldGuideLst xmlns="" xmlns:p15="http://schemas.microsoft.com/office/powerpoint/2012/main">
         <p15:guide id="1" orient="horz" pos="2160">
           <p15:clr>
             <a:srgbClr val="A4A3A4"/>
@@ -268,7 +268,7 @@
           <a:p>
             <a:fld id="{DC53908E-65C2-4900-9CDF-3C63DC35F623}" type="datetimeFigureOut">
               <a:rPr lang="en-US" smtClean="0"/>
-              <a:t>9/22/2019</a:t>
+              <a:t>9/23/2019</a:t>
             </a:fld>
             <a:endParaRPr lang="en-US"/>
           </a:p>
@@ -1254,7 +1254,7 @@
           <a:p>
             <a:fld id="{93A5D562-B656-42BE-8A1C-218A0B34F956}" type="datetimeFigureOut">
               <a:rPr lang="en-US" smtClean="0"/>
-              <a:t>9/22/2019</a:t>
+              <a:t>9/23/2019</a:t>
             </a:fld>
             <a:endParaRPr lang="en-US"/>
           </a:p>
@@ -1424,7 +1424,7 @@
           <a:p>
             <a:fld id="{93A5D562-B656-42BE-8A1C-218A0B34F956}" type="datetimeFigureOut">
               <a:rPr lang="en-US" smtClean="0"/>
-              <a:t>9/22/2019</a:t>
+              <a:t>9/23/2019</a:t>
             </a:fld>
             <a:endParaRPr lang="en-US"/>
           </a:p>
@@ -1604,7 +1604,7 @@
           <a:p>
             <a:fld id="{93A5D562-B656-42BE-8A1C-218A0B34F956}" type="datetimeFigureOut">
               <a:rPr lang="en-US" smtClean="0"/>
-              <a:t>9/22/2019</a:t>
+              <a:t>9/23/2019</a:t>
             </a:fld>
             <a:endParaRPr lang="en-US"/>
           </a:p>
@@ -1774,7 +1774,7 @@
           <a:p>
             <a:fld id="{93A5D562-B656-42BE-8A1C-218A0B34F956}" type="datetimeFigureOut">
               <a:rPr lang="en-US" smtClean="0"/>
-              <a:t>9/22/2019</a:t>
+              <a:t>9/23/2019</a:t>
             </a:fld>
             <a:endParaRPr lang="en-US"/>
           </a:p>
@@ -2020,7 +2020,7 @@
           <a:p>
             <a:fld id="{93A5D562-B656-42BE-8A1C-218A0B34F956}" type="datetimeFigureOut">
               <a:rPr lang="en-US" smtClean="0"/>
-              <a:t>9/22/2019</a:t>
+              <a:t>9/23/2019</a:t>
             </a:fld>
             <a:endParaRPr lang="en-US"/>
           </a:p>
@@ -2252,7 +2252,7 @@
           <a:p>
             <a:fld id="{93A5D562-B656-42BE-8A1C-218A0B34F956}" type="datetimeFigureOut">
               <a:rPr lang="en-US" smtClean="0"/>
-              <a:t>9/22/2019</a:t>
+              <a:t>9/23/2019</a:t>
             </a:fld>
             <a:endParaRPr lang="en-US"/>
           </a:p>
@@ -2619,7 +2619,7 @@
           <a:p>
             <a:fld id="{93A5D562-B656-42BE-8A1C-218A0B34F956}" type="datetimeFigureOut">
               <a:rPr lang="en-US" smtClean="0"/>
-              <a:t>9/22/2019</a:t>
+              <a:t>9/23/2019</a:t>
             </a:fld>
             <a:endParaRPr lang="en-US"/>
           </a:p>
@@ -2737,7 +2737,7 @@
           <a:p>
             <a:fld id="{93A5D562-B656-42BE-8A1C-218A0B34F956}" type="datetimeFigureOut">
               <a:rPr lang="en-US" smtClean="0"/>
-              <a:t>9/22/2019</a:t>
+              <a:t>9/23/2019</a:t>
             </a:fld>
             <a:endParaRPr lang="en-US"/>
           </a:p>
@@ -2832,7 +2832,7 @@
           <a:p>
             <a:fld id="{93A5D562-B656-42BE-8A1C-218A0B34F956}" type="datetimeFigureOut">
               <a:rPr lang="en-US" smtClean="0"/>
-              <a:t>9/22/2019</a:t>
+              <a:t>9/23/2019</a:t>
             </a:fld>
             <a:endParaRPr lang="en-US"/>
           </a:p>
@@ -3109,7 +3109,7 @@
           <a:p>
             <a:fld id="{93A5D562-B656-42BE-8A1C-218A0B34F956}" type="datetimeFigureOut">
               <a:rPr lang="en-US" smtClean="0"/>
-              <a:t>9/22/2019</a:t>
+              <a:t>9/23/2019</a:t>
             </a:fld>
             <a:endParaRPr lang="en-US"/>
           </a:p>
@@ -3366,7 +3366,7 @@
           <a:p>
             <a:fld id="{93A5D562-B656-42BE-8A1C-218A0B34F956}" type="datetimeFigureOut">
               <a:rPr lang="en-US" smtClean="0"/>
-              <a:t>9/22/2019</a:t>
+              <a:t>9/23/2019</a:t>
             </a:fld>
             <a:endParaRPr lang="en-US"/>
           </a:p>
@@ -3579,7 +3579,7 @@
           <a:p>
             <a:fld id="{93A5D562-B656-42BE-8A1C-218A0B34F956}" type="datetimeFigureOut">
               <a:rPr lang="en-US" smtClean="0"/>
-              <a:t>9/22/2019</a:t>
+              <a:t>9/23/2019</a:t>
             </a:fld>
             <a:endParaRPr lang="en-US"/>
           </a:p>
@@ -3997,10 +3997,10 @@
           <p:cNvPr id="12" name="Rectangle 7">
             <a:extLst>
               <a:ext uri="{FF2B5EF4-FFF2-40B4-BE49-F238E27FC236}">
-                <a16:creationId xmlns:a16="http://schemas.microsoft.com/office/drawing/2014/main" xmlns="" id="{3EDD119B-6BFA-4C3F-90CE-97DAFD604ECC}"/>
+                <a16:creationId xmlns="" xmlns:a16="http://schemas.microsoft.com/office/drawing/2014/main" id="{3EDD119B-6BFA-4C3F-90CE-97DAFD604ECC}"/>
               </a:ext>
               <a:ext uri="{C183D7F6-B498-43B3-948B-1728B52AA6E4}">
-                <adec:decorative xmlns:adec="http://schemas.microsoft.com/office/drawing/2017/decorative" xmlns="" val="1"/>
+                <adec:decorative xmlns="" xmlns:adec="http://schemas.microsoft.com/office/drawing/2017/decorative" val="1"/>
               </a:ext>
             </a:extLst>
           </p:cNvPr>
@@ -4010,7 +4010,7 @@
           <p:nvPr>
             <p:extLst>
               <p:ext uri="{386F3935-93C4-4BCD-93E2-E3B085C9AB24}">
-                <p16:designElem xmlns:p16="http://schemas.microsoft.com/office/powerpoint/2015/main" xmlns="" val="1"/>
+                <p16:designElem xmlns="" xmlns:p16="http://schemas.microsoft.com/office/powerpoint/2015/main" val="1"/>
               </p:ext>
             </p:extLst>
           </p:nvPr>
@@ -4063,7 +4063,7 @@
           <p:cNvPr id="2" name="Title 1">
             <a:extLst>
               <a:ext uri="{FF2B5EF4-FFF2-40B4-BE49-F238E27FC236}">
-                <a16:creationId xmlns:a16="http://schemas.microsoft.com/office/drawing/2014/main" xmlns="" id="{7BBB4F09-501D-4DCF-9E76-F721F0F33CCE}"/>
+                <a16:creationId xmlns="" xmlns:a16="http://schemas.microsoft.com/office/drawing/2014/main" id="{7BBB4F09-501D-4DCF-9E76-F721F0F33CCE}"/>
               </a:ext>
             </a:extLst>
           </p:cNvPr>
@@ -4124,7 +4124,7 @@
           <p:cNvPr id="3" name="Subtitle 2">
             <a:extLst>
               <a:ext uri="{FF2B5EF4-FFF2-40B4-BE49-F238E27FC236}">
-                <a16:creationId xmlns:a16="http://schemas.microsoft.com/office/drawing/2014/main" xmlns="" id="{DE83290F-63A0-46F3-9C06-E00F5E5E69E6}"/>
+                <a16:creationId xmlns="" xmlns:a16="http://schemas.microsoft.com/office/drawing/2014/main" id="{DE83290F-63A0-46F3-9C06-E00F5E5E69E6}"/>
               </a:ext>
             </a:extLst>
           </p:cNvPr>
@@ -4329,10 +4329,10 @@
           <p:cNvPr id="13" name="Straight Connector 9">
             <a:extLst>
               <a:ext uri="{FF2B5EF4-FFF2-40B4-BE49-F238E27FC236}">
-                <a16:creationId xmlns:a16="http://schemas.microsoft.com/office/drawing/2014/main" xmlns="" id="{DC1572D0-F0FD-4D84-8F82-DC59140EB9BB}"/>
+                <a16:creationId xmlns="" xmlns:a16="http://schemas.microsoft.com/office/drawing/2014/main" id="{DC1572D0-F0FD-4D84-8F82-DC59140EB9BB}"/>
               </a:ext>
               <a:ext uri="{C183D7F6-B498-43B3-948B-1728B52AA6E4}">
-                <adec:decorative xmlns:adec="http://schemas.microsoft.com/office/drawing/2017/decorative" xmlns="" val="1"/>
+                <adec:decorative xmlns="" xmlns:adec="http://schemas.microsoft.com/office/drawing/2017/decorative" val="1"/>
               </a:ext>
             </a:extLst>
           </p:cNvPr>
@@ -4342,7 +4342,7 @@
           <p:nvPr>
             <p:extLst>
               <p:ext uri="{386F3935-93C4-4BCD-93E2-E3B085C9AB24}">
-                <p16:designElem xmlns:p16="http://schemas.microsoft.com/office/powerpoint/2015/main" xmlns="" val="1"/>
+                <p16:designElem xmlns="" xmlns:p16="http://schemas.microsoft.com/office/powerpoint/2015/main" val="1"/>
               </p:ext>
             </p:extLst>
           </p:nvPr>
@@ -4651,7 +4651,7 @@
           <p:cNvPr id="2" name="Title 1">
             <a:extLst>
               <a:ext uri="{FF2B5EF4-FFF2-40B4-BE49-F238E27FC236}">
-                <a16:creationId xmlns:a16="http://schemas.microsoft.com/office/drawing/2014/main" xmlns="" id="{8080922F-D49E-4DD7-A65F-3654EDA20C63}"/>
+                <a16:creationId xmlns="" xmlns:a16="http://schemas.microsoft.com/office/drawing/2014/main" id="{8080922F-D49E-4DD7-A65F-3654EDA20C63}"/>
               </a:ext>
             </a:extLst>
           </p:cNvPr>
@@ -4686,10 +4686,10 @@
           <p:cNvPr id="59" name="Straight Arrow Connector 58">
             <a:extLst>
               <a:ext uri="{FF2B5EF4-FFF2-40B4-BE49-F238E27FC236}">
-                <a16:creationId xmlns:a16="http://schemas.microsoft.com/office/drawing/2014/main" xmlns="" id="{E4A809D5-3600-46D4-A466-67F2349A54FB}"/>
+                <a16:creationId xmlns="" xmlns:a16="http://schemas.microsoft.com/office/drawing/2014/main" id="{E4A809D5-3600-46D4-A466-67F2349A54FB}"/>
               </a:ext>
               <a:ext uri="{C183D7F6-B498-43B3-948B-1728B52AA6E4}">
-                <adec:decorative xmlns:adec="http://schemas.microsoft.com/office/drawing/2017/decorative" xmlns="" val="1"/>
+                <adec:decorative xmlns="" xmlns:adec="http://schemas.microsoft.com/office/drawing/2017/decorative" val="1"/>
               </a:ext>
             </a:extLst>
           </p:cNvPr>
@@ -4699,7 +4699,7 @@
           <p:nvPr>
             <p:extLst>
               <p:ext uri="{386F3935-93C4-4BCD-93E2-E3B085C9AB24}">
-                <p16:designElem xmlns:p16="http://schemas.microsoft.com/office/powerpoint/2015/main" xmlns="" val="1"/>
+                <p16:designElem xmlns="" xmlns:p16="http://schemas.microsoft.com/office/powerpoint/2015/main" val="1"/>
               </p:ext>
             </p:extLst>
           </p:nvPr>
@@ -4739,7 +4739,7 @@
           <p:cNvPr id="3" name="Content Placeholder 2">
             <a:extLst>
               <a:ext uri="{FF2B5EF4-FFF2-40B4-BE49-F238E27FC236}">
-                <a16:creationId xmlns:a16="http://schemas.microsoft.com/office/drawing/2014/main" xmlns="" id="{C2CB8298-93F1-488B-ADBB-6C5E0B005445}"/>
+                <a16:creationId xmlns="" xmlns:a16="http://schemas.microsoft.com/office/drawing/2014/main" id="{C2CB8298-93F1-488B-ADBB-6C5E0B005445}"/>
               </a:ext>
             </a:extLst>
           </p:cNvPr>
@@ -4798,7 +4798,7 @@
           <p:cNvPr id="13" name="TextBox 12">
             <a:extLst>
               <a:ext uri="{FF2B5EF4-FFF2-40B4-BE49-F238E27FC236}">
-                <a16:creationId xmlns:a16="http://schemas.microsoft.com/office/drawing/2014/main" xmlns="" id="{98A67E45-0894-4FD5-A5B2-577C22725095}"/>
+                <a16:creationId xmlns="" xmlns:a16="http://schemas.microsoft.com/office/drawing/2014/main" id="{98A67E45-0894-4FD5-A5B2-577C22725095}"/>
               </a:ext>
             </a:extLst>
           </p:cNvPr>
@@ -4900,7 +4900,7 @@
           <p:cNvPr id="2" name="Title 1">
             <a:extLst>
               <a:ext uri="{FF2B5EF4-FFF2-40B4-BE49-F238E27FC236}">
-                <a16:creationId xmlns:a16="http://schemas.microsoft.com/office/drawing/2014/main" xmlns="" id="{8080922F-D49E-4DD7-A65F-3654EDA20C63}"/>
+                <a16:creationId xmlns="" xmlns:a16="http://schemas.microsoft.com/office/drawing/2014/main" id="{8080922F-D49E-4DD7-A65F-3654EDA20C63}"/>
               </a:ext>
             </a:extLst>
           </p:cNvPr>
@@ -4935,10 +4935,10 @@
           <p:cNvPr id="59" name="Straight Arrow Connector 58">
             <a:extLst>
               <a:ext uri="{FF2B5EF4-FFF2-40B4-BE49-F238E27FC236}">
-                <a16:creationId xmlns:a16="http://schemas.microsoft.com/office/drawing/2014/main" xmlns="" id="{E4A809D5-3600-46D4-A466-67F2349A54FB}"/>
+                <a16:creationId xmlns="" xmlns:a16="http://schemas.microsoft.com/office/drawing/2014/main" id="{E4A809D5-3600-46D4-A466-67F2349A54FB}"/>
               </a:ext>
               <a:ext uri="{C183D7F6-B498-43B3-948B-1728B52AA6E4}">
-                <adec:decorative xmlns:adec="http://schemas.microsoft.com/office/drawing/2017/decorative" xmlns="" val="1"/>
+                <adec:decorative xmlns="" xmlns:adec="http://schemas.microsoft.com/office/drawing/2017/decorative" val="1"/>
               </a:ext>
             </a:extLst>
           </p:cNvPr>
@@ -4948,7 +4948,7 @@
           <p:nvPr>
             <p:extLst>
               <p:ext uri="{386F3935-93C4-4BCD-93E2-E3B085C9AB24}">
-                <p16:designElem xmlns:p16="http://schemas.microsoft.com/office/powerpoint/2015/main" xmlns="" val="1"/>
+                <p16:designElem xmlns="" xmlns:p16="http://schemas.microsoft.com/office/powerpoint/2015/main" val="1"/>
               </p:ext>
             </p:extLst>
           </p:nvPr>
@@ -4988,7 +4988,7 @@
           <p:cNvPr id="3" name="Content Placeholder 2">
             <a:extLst>
               <a:ext uri="{FF2B5EF4-FFF2-40B4-BE49-F238E27FC236}">
-                <a16:creationId xmlns:a16="http://schemas.microsoft.com/office/drawing/2014/main" xmlns="" id="{C2CB8298-93F1-488B-ADBB-6C5E0B005445}"/>
+                <a16:creationId xmlns="" xmlns:a16="http://schemas.microsoft.com/office/drawing/2014/main" id="{C2CB8298-93F1-488B-ADBB-6C5E0B005445}"/>
               </a:ext>
             </a:extLst>
           </p:cNvPr>
@@ -5091,7 +5091,7 @@
           <p:cNvPr id="13" name="TextBox 12">
             <a:extLst>
               <a:ext uri="{FF2B5EF4-FFF2-40B4-BE49-F238E27FC236}">
-                <a16:creationId xmlns:a16="http://schemas.microsoft.com/office/drawing/2014/main" xmlns="" id="{98A67E45-0894-4FD5-A5B2-577C22725095}"/>
+                <a16:creationId xmlns="" xmlns:a16="http://schemas.microsoft.com/office/drawing/2014/main" id="{98A67E45-0894-4FD5-A5B2-577C22725095}"/>
               </a:ext>
             </a:extLst>
           </p:cNvPr>
@@ -5126,7 +5126,7 @@
           <p:cNvPr id="9" name="Group 8">
             <a:extLst>
               <a:ext uri="{FF2B5EF4-FFF2-40B4-BE49-F238E27FC236}">
-                <a16:creationId xmlns:a16="http://schemas.microsoft.com/office/drawing/2014/main" xmlns="" id="{878DCCAC-F72F-0949-8F08-FCAECF19D5D8}"/>
+                <a16:creationId xmlns="" xmlns:a16="http://schemas.microsoft.com/office/drawing/2014/main" id="{878DCCAC-F72F-0949-8F08-FCAECF19D5D8}"/>
               </a:ext>
             </a:extLst>
           </p:cNvPr>
@@ -5146,7 +5146,7 @@
             <p:cNvPr id="10" name="Picture 9" descr="A close up of a logo&#10;&#10;Description generated with high confidence">
               <a:extLst>
                 <a:ext uri="{FF2B5EF4-FFF2-40B4-BE49-F238E27FC236}">
-                  <a16:creationId xmlns:a16="http://schemas.microsoft.com/office/drawing/2014/main" xmlns="" id="{3773EAAF-969C-4ABE-8AAA-C00BC5E0FA77}"/>
+                  <a16:creationId xmlns="" xmlns:a16="http://schemas.microsoft.com/office/drawing/2014/main" id="{3773EAAF-969C-4ABE-8AAA-C00BC5E0FA77}"/>
                 </a:ext>
               </a:extLst>
             </p:cNvPr>
@@ -5189,7 +5189,7 @@
             <p:cNvPr id="11" name="Rectangle 10">
               <a:extLst>
                 <a:ext uri="{FF2B5EF4-FFF2-40B4-BE49-F238E27FC236}">
-                  <a16:creationId xmlns:a16="http://schemas.microsoft.com/office/drawing/2014/main" xmlns="" id="{3A7BFD2D-6CAC-4F69-A00A-C539862C77E1}"/>
+                  <a16:creationId xmlns="" xmlns:a16="http://schemas.microsoft.com/office/drawing/2014/main" id="{3A7BFD2D-6CAC-4F69-A00A-C539862C77E1}"/>
                 </a:ext>
               </a:extLst>
             </p:cNvPr>
@@ -5289,10 +5289,10 @@
           <p:cNvPr id="137" name="Rectangle 136">
             <a:extLst>
               <a:ext uri="{FF2B5EF4-FFF2-40B4-BE49-F238E27FC236}">
-                <a16:creationId xmlns:a16="http://schemas.microsoft.com/office/drawing/2014/main" xmlns="" id="{99899462-FC16-43B0-966B-FCA263450716}"/>
+                <a16:creationId xmlns="" xmlns:a16="http://schemas.microsoft.com/office/drawing/2014/main" id="{99899462-FC16-43B0-966B-FCA263450716}"/>
               </a:ext>
               <a:ext uri="{C183D7F6-B498-43B3-948B-1728B52AA6E4}">
-                <adec:decorative xmlns:adec="http://schemas.microsoft.com/office/drawing/2017/decorative" xmlns="" val="1"/>
+                <adec:decorative xmlns="" xmlns:adec="http://schemas.microsoft.com/office/drawing/2017/decorative" val="1"/>
               </a:ext>
             </a:extLst>
           </p:cNvPr>
@@ -5302,7 +5302,7 @@
           <p:nvPr>
             <p:extLst>
               <p:ext uri="{386F3935-93C4-4BCD-93E2-E3B085C9AB24}">
-                <p16:designElem xmlns:p16="http://schemas.microsoft.com/office/powerpoint/2015/main" xmlns="" val="1"/>
+                <p16:designElem xmlns="" xmlns:p16="http://schemas.microsoft.com/office/powerpoint/2015/main" val="1"/>
               </p:ext>
             </p:extLst>
           </p:nvPr>
@@ -5354,7 +5354,7 @@
           <p:cNvPr id="2" name="Title 1">
             <a:extLst>
               <a:ext uri="{FF2B5EF4-FFF2-40B4-BE49-F238E27FC236}">
-                <a16:creationId xmlns:a16="http://schemas.microsoft.com/office/drawing/2014/main" xmlns="" id="{2F630874-034B-466A-9CCB-2451425D6CBB}"/>
+                <a16:creationId xmlns="" xmlns:a16="http://schemas.microsoft.com/office/drawing/2014/main" id="{2F630874-034B-466A-9CCB-2451425D6CBB}"/>
               </a:ext>
             </a:extLst>
           </p:cNvPr>
@@ -5393,10 +5393,10 @@
           <p:cNvPr id="139" name="Straight Connector 138">
             <a:extLst>
               <a:ext uri="{FF2B5EF4-FFF2-40B4-BE49-F238E27FC236}">
-                <a16:creationId xmlns:a16="http://schemas.microsoft.com/office/drawing/2014/main" xmlns="" id="{AAFEA932-2DF1-410C-A00A-7A1E7DBF7511}"/>
+                <a16:creationId xmlns="" xmlns:a16="http://schemas.microsoft.com/office/drawing/2014/main" id="{AAFEA932-2DF1-410C-A00A-7A1E7DBF7511}"/>
               </a:ext>
               <a:ext uri="{C183D7F6-B498-43B3-948B-1728B52AA6E4}">
-                <adec:decorative xmlns:adec="http://schemas.microsoft.com/office/drawing/2017/decorative" xmlns="" val="1"/>
+                <adec:decorative xmlns="" xmlns:adec="http://schemas.microsoft.com/office/drawing/2017/decorative" val="1"/>
               </a:ext>
             </a:extLst>
           </p:cNvPr>
@@ -5406,7 +5406,7 @@
           <p:nvPr>
             <p:extLst>
               <p:ext uri="{386F3935-93C4-4BCD-93E2-E3B085C9AB24}">
-                <p16:designElem xmlns:p16="http://schemas.microsoft.com/office/powerpoint/2015/main" xmlns="" val="1"/>
+                <p16:designElem xmlns="" xmlns:p16="http://schemas.microsoft.com/office/powerpoint/2015/main" val="1"/>
               </p:ext>
             </p:extLst>
           </p:nvPr>
@@ -5445,7 +5445,7 @@
           <p:cNvPr id="3" name="Content Placeholder 2">
             <a:extLst>
               <a:ext uri="{FF2B5EF4-FFF2-40B4-BE49-F238E27FC236}">
-                <a16:creationId xmlns:a16="http://schemas.microsoft.com/office/drawing/2014/main" xmlns="" id="{D87D9F7B-731E-4DFD-ABE1-E7AB26CB2BCF}"/>
+                <a16:creationId xmlns="" xmlns:a16="http://schemas.microsoft.com/office/drawing/2014/main" id="{D87D9F7B-731E-4DFD-ABE1-E7AB26CB2BCF}"/>
               </a:ext>
             </a:extLst>
           </p:cNvPr>
@@ -6000,10 +6000,10 @@
           <p:cNvPr id="137" name="Rectangle 136">
             <a:extLst>
               <a:ext uri="{FF2B5EF4-FFF2-40B4-BE49-F238E27FC236}">
-                <a16:creationId xmlns:a16="http://schemas.microsoft.com/office/drawing/2014/main" xmlns="" id="{99899462-FC16-43B0-966B-FCA263450716}"/>
+                <a16:creationId xmlns="" xmlns:a16="http://schemas.microsoft.com/office/drawing/2014/main" id="{99899462-FC16-43B0-966B-FCA263450716}"/>
               </a:ext>
               <a:ext uri="{C183D7F6-B498-43B3-948B-1728B52AA6E4}">
-                <adec:decorative xmlns:adec="http://schemas.microsoft.com/office/drawing/2017/decorative" xmlns="" val="1"/>
+                <adec:decorative xmlns="" xmlns:adec="http://schemas.microsoft.com/office/drawing/2017/decorative" val="1"/>
               </a:ext>
             </a:extLst>
           </p:cNvPr>
@@ -6013,7 +6013,7 @@
           <p:nvPr>
             <p:extLst>
               <p:ext uri="{386F3935-93C4-4BCD-93E2-E3B085C9AB24}">
-                <p16:designElem xmlns:p16="http://schemas.microsoft.com/office/powerpoint/2015/main" xmlns="" val="1"/>
+                <p16:designElem xmlns="" xmlns:p16="http://schemas.microsoft.com/office/powerpoint/2015/main" val="1"/>
               </p:ext>
             </p:extLst>
           </p:nvPr>
@@ -6065,7 +6065,7 @@
           <p:cNvPr id="2" name="Title 1">
             <a:extLst>
               <a:ext uri="{FF2B5EF4-FFF2-40B4-BE49-F238E27FC236}">
-                <a16:creationId xmlns:a16="http://schemas.microsoft.com/office/drawing/2014/main" xmlns="" id="{2F630874-034B-466A-9CCB-2451425D6CBB}"/>
+                <a16:creationId xmlns="" xmlns:a16="http://schemas.microsoft.com/office/drawing/2014/main" id="{2F630874-034B-466A-9CCB-2451425D6CBB}"/>
               </a:ext>
             </a:extLst>
           </p:cNvPr>
@@ -6104,10 +6104,10 @@
           <p:cNvPr id="139" name="Straight Connector 138">
             <a:extLst>
               <a:ext uri="{FF2B5EF4-FFF2-40B4-BE49-F238E27FC236}">
-                <a16:creationId xmlns:a16="http://schemas.microsoft.com/office/drawing/2014/main" xmlns="" id="{AAFEA932-2DF1-410C-A00A-7A1E7DBF7511}"/>
+                <a16:creationId xmlns="" xmlns:a16="http://schemas.microsoft.com/office/drawing/2014/main" id="{AAFEA932-2DF1-410C-A00A-7A1E7DBF7511}"/>
               </a:ext>
               <a:ext uri="{C183D7F6-B498-43B3-948B-1728B52AA6E4}">
-                <adec:decorative xmlns:adec="http://schemas.microsoft.com/office/drawing/2017/decorative" xmlns="" val="1"/>
+                <adec:decorative xmlns="" xmlns:adec="http://schemas.microsoft.com/office/drawing/2017/decorative" val="1"/>
               </a:ext>
             </a:extLst>
           </p:cNvPr>
@@ -6117,7 +6117,7 @@
           <p:nvPr>
             <p:extLst>
               <p:ext uri="{386F3935-93C4-4BCD-93E2-E3B085C9AB24}">
-                <p16:designElem xmlns:p16="http://schemas.microsoft.com/office/powerpoint/2015/main" xmlns="" val="1"/>
+                <p16:designElem xmlns="" xmlns:p16="http://schemas.microsoft.com/office/powerpoint/2015/main" val="1"/>
               </p:ext>
             </p:extLst>
           </p:nvPr>
@@ -6156,7 +6156,7 @@
           <p:cNvPr id="3" name="Content Placeholder 2">
             <a:extLst>
               <a:ext uri="{FF2B5EF4-FFF2-40B4-BE49-F238E27FC236}">
-                <a16:creationId xmlns:a16="http://schemas.microsoft.com/office/drawing/2014/main" xmlns="" id="{D87D9F7B-731E-4DFD-ABE1-E7AB26CB2BCF}"/>
+                <a16:creationId xmlns="" xmlns:a16="http://schemas.microsoft.com/office/drawing/2014/main" id="{D87D9F7B-731E-4DFD-ABE1-E7AB26CB2BCF}"/>
               </a:ext>
             </a:extLst>
           </p:cNvPr>
@@ -6404,10 +6404,10 @@
           <p:cNvPr id="137" name="Rectangle 136">
             <a:extLst>
               <a:ext uri="{FF2B5EF4-FFF2-40B4-BE49-F238E27FC236}">
-                <a16:creationId xmlns:a16="http://schemas.microsoft.com/office/drawing/2014/main" xmlns="" id="{99899462-FC16-43B0-966B-FCA263450716}"/>
+                <a16:creationId xmlns="" xmlns:a16="http://schemas.microsoft.com/office/drawing/2014/main" id="{99899462-FC16-43B0-966B-FCA263450716}"/>
               </a:ext>
               <a:ext uri="{C183D7F6-B498-43B3-948B-1728B52AA6E4}">
-                <adec:decorative xmlns:adec="http://schemas.microsoft.com/office/drawing/2017/decorative" xmlns="" val="1"/>
+                <adec:decorative xmlns="" xmlns:adec="http://schemas.microsoft.com/office/drawing/2017/decorative" val="1"/>
               </a:ext>
             </a:extLst>
           </p:cNvPr>
@@ -6417,7 +6417,7 @@
           <p:nvPr>
             <p:extLst>
               <p:ext uri="{386F3935-93C4-4BCD-93E2-E3B085C9AB24}">
-                <p16:designElem xmlns:p16="http://schemas.microsoft.com/office/powerpoint/2015/main" xmlns="" val="1"/>
+                <p16:designElem xmlns="" xmlns:p16="http://schemas.microsoft.com/office/powerpoint/2015/main" val="1"/>
               </p:ext>
             </p:extLst>
           </p:nvPr>
@@ -6468,7 +6468,7 @@
           <p:cNvPr id="2" name="Title 1">
             <a:extLst>
               <a:ext uri="{FF2B5EF4-FFF2-40B4-BE49-F238E27FC236}">
-                <a16:creationId xmlns:a16="http://schemas.microsoft.com/office/drawing/2014/main" xmlns="" id="{2F630874-034B-466A-9CCB-2451425D6CBB}"/>
+                <a16:creationId xmlns="" xmlns:a16="http://schemas.microsoft.com/office/drawing/2014/main" id="{2F630874-034B-466A-9CCB-2451425D6CBB}"/>
               </a:ext>
             </a:extLst>
           </p:cNvPr>
@@ -6507,10 +6507,10 @@
           <p:cNvPr id="139" name="Straight Connector 138">
             <a:extLst>
               <a:ext uri="{FF2B5EF4-FFF2-40B4-BE49-F238E27FC236}">
-                <a16:creationId xmlns:a16="http://schemas.microsoft.com/office/drawing/2014/main" xmlns="" id="{AAFEA932-2DF1-410C-A00A-7A1E7DBF7511}"/>
+                <a16:creationId xmlns="" xmlns:a16="http://schemas.microsoft.com/office/drawing/2014/main" id="{AAFEA932-2DF1-410C-A00A-7A1E7DBF7511}"/>
               </a:ext>
               <a:ext uri="{C183D7F6-B498-43B3-948B-1728B52AA6E4}">
-                <adec:decorative xmlns:adec="http://schemas.microsoft.com/office/drawing/2017/decorative" xmlns="" val="1"/>
+                <adec:decorative xmlns="" xmlns:adec="http://schemas.microsoft.com/office/drawing/2017/decorative" val="1"/>
               </a:ext>
             </a:extLst>
           </p:cNvPr>
@@ -6520,7 +6520,7 @@
           <p:nvPr>
             <p:extLst>
               <p:ext uri="{386F3935-93C4-4BCD-93E2-E3B085C9AB24}">
-                <p16:designElem xmlns:p16="http://schemas.microsoft.com/office/powerpoint/2015/main" xmlns="" val="1"/>
+                <p16:designElem xmlns="" xmlns:p16="http://schemas.microsoft.com/office/powerpoint/2015/main" val="1"/>
               </p:ext>
             </p:extLst>
           </p:nvPr>
@@ -6559,7 +6559,7 @@
           <p:cNvPr id="3" name="Content Placeholder 2">
             <a:extLst>
               <a:ext uri="{FF2B5EF4-FFF2-40B4-BE49-F238E27FC236}">
-                <a16:creationId xmlns:a16="http://schemas.microsoft.com/office/drawing/2014/main" xmlns="" id="{D87D9F7B-731E-4DFD-ABE1-E7AB26CB2BCF}"/>
+                <a16:creationId xmlns="" xmlns:a16="http://schemas.microsoft.com/office/drawing/2014/main" id="{D87D9F7B-731E-4DFD-ABE1-E7AB26CB2BCF}"/>
               </a:ext>
             </a:extLst>
           </p:cNvPr>
@@ -6896,7 +6896,7 @@
           <p:cNvPr id="4" name="Title 1">
             <a:extLst>
               <a:ext uri="{FF2B5EF4-FFF2-40B4-BE49-F238E27FC236}">
-                <a16:creationId xmlns:a16="http://schemas.microsoft.com/office/drawing/2014/main" xmlns="" id="{935838EB-2DD5-E142-B44D-C1DAE193B26F}"/>
+                <a16:creationId xmlns="" xmlns:a16="http://schemas.microsoft.com/office/drawing/2014/main" id="{935838EB-2DD5-E142-B44D-C1DAE193B26F}"/>
               </a:ext>
             </a:extLst>
           </p:cNvPr>
@@ -6932,7 +6932,7 @@
           <p:cNvPr id="5" name="Content Placeholder 2">
             <a:extLst>
               <a:ext uri="{FF2B5EF4-FFF2-40B4-BE49-F238E27FC236}">
-                <a16:creationId xmlns:a16="http://schemas.microsoft.com/office/drawing/2014/main" xmlns="" id="{C9E47A9E-E4E4-1E4E-9673-CE0E6C2CE262}"/>
+                <a16:creationId xmlns="" xmlns:a16="http://schemas.microsoft.com/office/drawing/2014/main" id="{C9E47A9E-E4E4-1E4E-9673-CE0E6C2CE262}"/>
               </a:ext>
             </a:extLst>
           </p:cNvPr>
@@ -7063,7 +7063,7 @@
           <p:cNvPr id="2" name="Title 1">
             <a:extLst>
               <a:ext uri="{FF2B5EF4-FFF2-40B4-BE49-F238E27FC236}">
-                <a16:creationId xmlns:a16="http://schemas.microsoft.com/office/drawing/2014/main" xmlns="" id="{8DCDA39D-E4A1-45AE-AAA8-9B30625FFAD2}"/>
+                <a16:creationId xmlns="" xmlns:a16="http://schemas.microsoft.com/office/drawing/2014/main" id="{8DCDA39D-E4A1-45AE-AAA8-9B30625FFAD2}"/>
               </a:ext>
             </a:extLst>
           </p:cNvPr>
@@ -7100,7 +7100,7 @@
           <p:cNvPr id="20" name="Content Placeholder 2">
             <a:extLst>
               <a:ext uri="{FF2B5EF4-FFF2-40B4-BE49-F238E27FC236}">
-                <a16:creationId xmlns:a16="http://schemas.microsoft.com/office/drawing/2014/main" xmlns="" id="{46D55E06-5856-426F-B2D9-F26DCC5F1E02}"/>
+                <a16:creationId xmlns="" xmlns:a16="http://schemas.microsoft.com/office/drawing/2014/main" id="{46D55E06-5856-426F-B2D9-F26DCC5F1E02}"/>
               </a:ext>
             </a:extLst>
           </p:cNvPr>
@@ -7275,7 +7275,7 @@
           <p:cNvPr id="2" name="Title 1">
             <a:extLst>
               <a:ext uri="{FF2B5EF4-FFF2-40B4-BE49-F238E27FC236}">
-                <a16:creationId xmlns:a16="http://schemas.microsoft.com/office/drawing/2014/main" xmlns="" id="{8DCDA39D-E4A1-45AE-AAA8-9B30625FFAD2}"/>
+                <a16:creationId xmlns="" xmlns:a16="http://schemas.microsoft.com/office/drawing/2014/main" id="{8DCDA39D-E4A1-45AE-AAA8-9B30625FFAD2}"/>
               </a:ext>
             </a:extLst>
           </p:cNvPr>
@@ -7312,7 +7312,7 @@
           <p:cNvPr id="20" name="Content Placeholder 2">
             <a:extLst>
               <a:ext uri="{FF2B5EF4-FFF2-40B4-BE49-F238E27FC236}">
-                <a16:creationId xmlns:a16="http://schemas.microsoft.com/office/drawing/2014/main" xmlns="" id="{46D55E06-5856-426F-B2D9-F26DCC5F1E02}"/>
+                <a16:creationId xmlns="" xmlns:a16="http://schemas.microsoft.com/office/drawing/2014/main" id="{46D55E06-5856-426F-B2D9-F26DCC5F1E02}"/>
               </a:ext>
             </a:extLst>
           </p:cNvPr>
@@ -7392,6 +7392,41 @@
           </a:p>
         </p:txBody>
       </p:sp>
+      <p:pic>
+        <p:nvPicPr>
+          <p:cNvPr id="3" name="Picture 2"/>
+          <p:cNvPicPr>
+            <a:picLocks noChangeAspect="1"/>
+          </p:cNvPicPr>
+          <p:nvPr/>
+        </p:nvPicPr>
+        <p:blipFill>
+          <a:blip r:embed="rId2">
+            <a:extLst>
+              <a:ext uri="{28A0092B-C50C-407E-A947-70E740481C1C}">
+                <a14:useLocalDpi xmlns:a14="http://schemas.microsoft.com/office/drawing/2010/main" val="0"/>
+              </a:ext>
+            </a:extLst>
+          </a:blip>
+          <a:stretch>
+            <a:fillRect/>
+          </a:stretch>
+        </p:blipFill>
+        <p:spPr>
+          <a:xfrm>
+            <a:off x="1129378" y="3944089"/>
+            <a:ext cx="9933245" cy="2327058"/>
+          </a:xfrm>
+          <a:prstGeom prst="rect">
+            <a:avLst/>
+          </a:prstGeom>
+          <a:ln>
+            <a:solidFill>
+              <a:schemeClr val="tx1"/>
+            </a:solidFill>
+          </a:ln>
+        </p:spPr>
+      </p:pic>
     </p:spTree>
     <p:extLst>
       <p:ext uri="{BB962C8B-B14F-4D97-AF65-F5344CB8AC3E}">
@@ -7667,7 +7702,7 @@
   <a:extraClrSchemeLst/>
   <a:extLst>
     <a:ext uri="{05A4C25C-085E-4340-85A3-A5531E510DB2}">
-      <thm15:themeFamily xmlns:thm15="http://schemas.microsoft.com/office/thememl/2012/main" xmlns="" name="Office Theme" id="{62F939B6-93AF-4DB8-9C6B-D6C7DFDC589F}" vid="{AE6F2518-B084-4896-AF52-66CC2144AA26}"/>
+      <thm15:themeFamily xmlns="" xmlns:thm15="http://schemas.microsoft.com/office/thememl/2012/main" name="Office Theme" id="{62F939B6-93AF-4DB8-9C6B-D6C7DFDC589F}" vid="{AE6F2518-B084-4896-AF52-66CC2144AA26}"/>
     </a:ext>
   </a:extLst>
 </a:theme>
@@ -7962,7 +7997,7 @@
   <a:extraClrSchemeLst/>
   <a:extLst>
     <a:ext uri="{05A4C25C-085E-4340-85A3-A5531E510DB2}">
-      <thm15:themeFamily xmlns:thm15="http://schemas.microsoft.com/office/thememl/2012/main" xmlns="" name="Office Theme" id="{62F939B6-93AF-4DB8-9C6B-D6C7DFDC589F}" vid="{4A3C46E8-61CC-4603-A589-7422A47A8E4A}"/>
+      <thm15:themeFamily xmlns="" xmlns:thm15="http://schemas.microsoft.com/office/thememl/2012/main" name="Office Theme" id="{62F939B6-93AF-4DB8-9C6B-D6C7DFDC589F}" vid="{4A3C46E8-61CC-4603-A589-7422A47A8E4A}"/>
     </a:ext>
   </a:extLst>
 </a:theme>

--- a/Safety Demonstration 9.23.19.pptx
+++ b/Safety Demonstration 9.23.19.pptx
@@ -5,7 +5,7 @@
     <p:sldMasterId id="2147483977" r:id="rId1"/>
   </p:sldMasterIdLst>
   <p:notesMasterIdLst>
-    <p:notesMasterId r:id="rId12"/>
+    <p:notesMasterId r:id="rId13"/>
   </p:notesMasterIdLst>
   <p:sldIdLst>
     <p:sldId id="256" r:id="rId2"/>
@@ -17,7 +17,8 @@
     <p:sldId id="270" r:id="rId8"/>
     <p:sldId id="272" r:id="rId9"/>
     <p:sldId id="276" r:id="rId10"/>
-    <p:sldId id="277" r:id="rId11"/>
+    <p:sldId id="279" r:id="rId11"/>
+    <p:sldId id="277" r:id="rId12"/>
   </p:sldIdLst>
   <p:sldSz cx="12192000" cy="6858000"/>
   <p:notesSz cx="6858000" cy="9144000"/>
@@ -4429,6 +4430,211 @@
           <a:lstStyle/>
           <a:p>
             <a:r>
+              <a:rPr lang="en-US" dirty="0" smtClean="0"/>
+              <a:t>Budget</a:t>
+            </a:r>
+            <a:endParaRPr lang="en-US" dirty="0"/>
+          </a:p>
+        </p:txBody>
+      </p:sp>
+      <p:sp>
+        <p:nvSpPr>
+          <p:cNvPr id="3" name="Content Placeholder 2"/>
+          <p:cNvSpPr>
+            <a:spLocks noGrp="1"/>
+          </p:cNvSpPr>
+          <p:nvPr>
+            <p:ph idx="1"/>
+          </p:nvPr>
+        </p:nvSpPr>
+        <p:spPr/>
+        <p:txBody>
+          <a:bodyPr>
+            <a:normAutofit fontScale="70000" lnSpcReduction="20000"/>
+          </a:bodyPr>
+          <a:lstStyle/>
+          <a:p>
+            <a:pPr marL="0" indent="0">
+              <a:buNone/>
+            </a:pPr>
+            <a:r>
+              <a:rPr lang="en-US" dirty="0" smtClean="0"/>
+              <a:t>UMA-8-SP</a:t>
+            </a:r>
+            <a:r>
+              <a:rPr lang="en-US" dirty="0"/>
+              <a:t>: $95.00</a:t>
+            </a:r>
+            <a:endParaRPr lang="en-US" dirty="0"/>
+          </a:p>
+          <a:p>
+            <a:pPr marL="0" indent="0">
+              <a:buNone/>
+            </a:pPr>
+            <a:r>
+              <a:rPr lang="en-US" dirty="0"/>
+              <a:t>600W UPS: $120.00</a:t>
+            </a:r>
+            <a:endParaRPr lang="en-US" dirty="0"/>
+          </a:p>
+          <a:p>
+            <a:pPr marL="0" indent="0">
+              <a:buNone/>
+            </a:pPr>
+            <a:r>
+              <a:rPr lang="en-US" dirty="0"/>
+              <a:t>Website Costs: $50.00</a:t>
+            </a:r>
+            <a:endParaRPr lang="en-US" dirty="0"/>
+          </a:p>
+          <a:p>
+            <a:pPr marL="0" indent="0">
+              <a:buNone/>
+            </a:pPr>
+            <a:r>
+              <a:rPr lang="en-US" dirty="0"/>
+              <a:t>Light Diffusers: $30.00</a:t>
+            </a:r>
+            <a:endParaRPr lang="en-US" dirty="0"/>
+          </a:p>
+          <a:p>
+            <a:pPr marL="0" indent="0">
+              <a:buNone/>
+            </a:pPr>
+            <a:r>
+              <a:rPr lang="en-US" dirty="0"/>
+              <a:t>Servos: $1000.00</a:t>
+            </a:r>
+            <a:endParaRPr lang="en-US" dirty="0"/>
+          </a:p>
+          <a:p>
+            <a:pPr marL="0" indent="0">
+              <a:buNone/>
+            </a:pPr>
+            <a:r>
+              <a:rPr lang="en-US" dirty="0"/>
+              <a:t>Robot cladding: $200.00</a:t>
+            </a:r>
+            <a:endParaRPr lang="en-US" dirty="0"/>
+          </a:p>
+          <a:p>
+            <a:pPr marL="0" indent="0">
+              <a:buNone/>
+            </a:pPr>
+            <a:r>
+              <a:rPr lang="en-US" dirty="0"/>
+              <a:t>S</a:t>
+            </a:r>
+            <a:r>
+              <a:rPr lang="en-US" dirty="0" smtClean="0"/>
+              <a:t>afety Features: </a:t>
+            </a:r>
+            <a:r>
+              <a:rPr lang="en-US" dirty="0"/>
+              <a:t>$1000</a:t>
+            </a:r>
+            <a:endParaRPr lang="en-US" dirty="0"/>
+          </a:p>
+          <a:p>
+            <a:pPr marL="0" indent="0">
+              <a:buNone/>
+            </a:pPr>
+            <a:r>
+              <a:rPr lang="en-US" dirty="0"/>
+              <a:t>_____________________</a:t>
+            </a:r>
+            <a:endParaRPr lang="en-US" dirty="0"/>
+          </a:p>
+          <a:p>
+            <a:pPr marL="0" indent="0">
+              <a:buNone/>
+            </a:pPr>
+            <a:r>
+              <a:rPr lang="en-US" dirty="0"/>
+              <a:t>Totals: $2,495</a:t>
+            </a:r>
+            <a:endParaRPr lang="en-US" dirty="0"/>
+          </a:p>
+          <a:p>
+            <a:endParaRPr lang="en-US" dirty="0" smtClean="0"/>
+          </a:p>
+          <a:p>
+            <a:r>
+              <a:rPr lang="en-US" dirty="0" smtClean="0"/>
+              <a:t>Available </a:t>
+            </a:r>
+            <a:r>
+              <a:rPr lang="en-US" dirty="0"/>
+              <a:t>left for unexpected costs: $505</a:t>
+            </a:r>
+            <a:endParaRPr lang="en-US" dirty="0"/>
+          </a:p>
+          <a:p>
+            <a:r>
+              <a:rPr lang="en-US" dirty="0"/>
+              <a:t>Any leftover funds will be redistributed to the respective department the funding came </a:t>
+            </a:r>
+            <a:r>
+              <a:rPr lang="en-US" dirty="0" smtClean="0"/>
+              <a:t>from</a:t>
+            </a:r>
+            <a:r>
+              <a:rPr lang="en-US" dirty="0"/>
+              <a:t/>
+            </a:r>
+            <a:br>
+              <a:rPr lang="en-US" dirty="0"/>
+            </a:br>
+            <a:endParaRPr lang="en-US" dirty="0"/>
+          </a:p>
+        </p:txBody>
+      </p:sp>
+    </p:spTree>
+    <p:extLst>
+      <p:ext uri="{BB962C8B-B14F-4D97-AF65-F5344CB8AC3E}">
+        <p14:creationId xmlns:p14="http://schemas.microsoft.com/office/powerpoint/2010/main" val="3722363498"/>
+      </p:ext>
+    </p:extLst>
+  </p:cSld>
+  <p:clrMapOvr>
+    <a:masterClrMapping/>
+  </p:clrMapOvr>
+</p:sld>
+</file>
+
+<file path=ppt/slides/slide11.xml><?xml version="1.0" encoding="utf-8"?>
+<p:sld xmlns:a="http://schemas.openxmlformats.org/drawingml/2006/main" xmlns:r="http://schemas.openxmlformats.org/officeDocument/2006/relationships" xmlns:p="http://schemas.openxmlformats.org/presentationml/2006/main">
+  <p:cSld>
+    <p:spTree>
+      <p:nvGrpSpPr>
+        <p:cNvPr id="1" name=""/>
+        <p:cNvGrpSpPr/>
+        <p:nvPr/>
+      </p:nvGrpSpPr>
+      <p:grpSpPr>
+        <a:xfrm>
+          <a:off x="0" y="0"/>
+          <a:ext cx="0" cy="0"/>
+          <a:chOff x="0" y="0"/>
+          <a:chExt cx="0" cy="0"/>
+        </a:xfrm>
+      </p:grpSpPr>
+      <p:sp>
+        <p:nvSpPr>
+          <p:cNvPr id="2" name="Title 1"/>
+          <p:cNvSpPr>
+            <a:spLocks noGrp="1"/>
+          </p:cNvSpPr>
+          <p:nvPr>
+            <p:ph type="title"/>
+          </p:nvPr>
+        </p:nvSpPr>
+        <p:spPr/>
+        <p:txBody>
+          <a:bodyPr/>
+          <a:lstStyle/>
+          <a:p>
+            <a:r>
               <a:rPr lang="en-US" dirty="0"/>
               <a:t>Demonstration</a:t>
             </a:r>
@@ -6945,7 +7151,7 @@
         </p:nvSpPr>
         <p:spPr>
           <a:xfrm>
-            <a:off x="655320" y="2644518"/>
+            <a:off x="634848" y="2296504"/>
             <a:ext cx="9013052" cy="3327251"/>
           </a:xfrm>
         </p:spPr>
